--- a/ppt 16-9/0398.福音宣召.pptx
+++ b/ppt 16-9/0398.福音宣召.pptx
@@ -5,7 +5,7 @@
     <p:sldMasterId id="2147483648" r:id="rId1"/>
   </p:sldMasterIdLst>
   <p:sldIdLst>
-    <p:sldId id="3324" r:id="rId2"/>
+    <p:sldId id="2869" r:id="rId2"/>
   </p:sldIdLst>
   <p:sldSz cx="12192000" cy="6858000"/>
   <p:notesSz cx="6858000" cy="9144000"/>
@@ -129,7 +129,7 @@
           <p:cNvPr id="2" name="标题 1">
             <a:extLst>
               <a:ext uri="{FF2B5EF4-FFF2-40B4-BE49-F238E27FC236}">
-                <a16:creationId xmlns:a16="http://schemas.microsoft.com/office/drawing/2014/main" id="{3DD62A39-4906-A52F-E83E-91D2AE516189}"/>
+                <a16:creationId xmlns:a16="http://schemas.microsoft.com/office/drawing/2014/main" id="{7DD04478-AFAB-2C42-D967-E20BE3BA5000}"/>
               </a:ext>
             </a:extLst>
           </p:cNvPr>
@@ -166,7 +166,7 @@
           <p:cNvPr id="3" name="副标题 2">
             <a:extLst>
               <a:ext uri="{FF2B5EF4-FFF2-40B4-BE49-F238E27FC236}">
-                <a16:creationId xmlns:a16="http://schemas.microsoft.com/office/drawing/2014/main" id="{B7D53E60-84A2-97B1-F7CA-071272FB2B4D}"/>
+                <a16:creationId xmlns:a16="http://schemas.microsoft.com/office/drawing/2014/main" id="{1B0E52C8-542E-ABB8-0500-072551B17E8C}"/>
               </a:ext>
             </a:extLst>
           </p:cNvPr>
@@ -236,7 +236,7 @@
           <p:cNvPr id="4" name="日期占位符 3">
             <a:extLst>
               <a:ext uri="{FF2B5EF4-FFF2-40B4-BE49-F238E27FC236}">
-                <a16:creationId xmlns:a16="http://schemas.microsoft.com/office/drawing/2014/main" id="{AB6DB276-4849-3041-5B4F-41FC11826003}"/>
+                <a16:creationId xmlns:a16="http://schemas.microsoft.com/office/drawing/2014/main" id="{FFBC2B38-9777-934D-BFE2-D5FE997EC3A1}"/>
               </a:ext>
             </a:extLst>
           </p:cNvPr>
@@ -252,7 +252,7 @@
           <a:bodyPr/>
           <a:lstStyle/>
           <a:p>
-            <a:fld id="{3A713AFB-2075-4B7A-A21C-40F357DBBF02}" type="datetimeFigureOut">
+            <a:fld id="{EED48EB6-ED36-4378-8086-7D64F0616410}" type="datetimeFigureOut">
               <a:rPr lang="zh-CN" altLang="en-US" smtClean="0"/>
               <a:t>2024/3/10</a:t>
             </a:fld>
@@ -265,7 +265,7 @@
           <p:cNvPr id="5" name="页脚占位符 4">
             <a:extLst>
               <a:ext uri="{FF2B5EF4-FFF2-40B4-BE49-F238E27FC236}">
-                <a16:creationId xmlns:a16="http://schemas.microsoft.com/office/drawing/2014/main" id="{470741C7-F008-0063-F9AC-E4AC00BC0DA6}"/>
+                <a16:creationId xmlns:a16="http://schemas.microsoft.com/office/drawing/2014/main" id="{1969A7A0-8718-77B7-4576-18B807F841FF}"/>
               </a:ext>
             </a:extLst>
           </p:cNvPr>
@@ -290,7 +290,7 @@
           <p:cNvPr id="6" name="灯片编号占位符 5">
             <a:extLst>
               <a:ext uri="{FF2B5EF4-FFF2-40B4-BE49-F238E27FC236}">
-                <a16:creationId xmlns:a16="http://schemas.microsoft.com/office/drawing/2014/main" id="{80AF6001-3A7D-4DE0-006E-155162CEA648}"/>
+                <a16:creationId xmlns:a16="http://schemas.microsoft.com/office/drawing/2014/main" id="{C76AF0BA-8313-8132-4672-AB258F81B2DE}"/>
               </a:ext>
             </a:extLst>
           </p:cNvPr>
@@ -306,7 +306,7 @@
           <a:bodyPr/>
           <a:lstStyle/>
           <a:p>
-            <a:fld id="{92875155-80F0-4935-9D85-237C71E1D80D}" type="slidenum">
+            <a:fld id="{61A8A5F9-B45E-418E-BAA2-AAFB84676FC7}" type="slidenum">
               <a:rPr lang="zh-CN" altLang="en-US" smtClean="0"/>
               <a:t>‹#›</a:t>
             </a:fld>
@@ -317,7 +317,7 @@
     </p:spTree>
     <p:extLst>
       <p:ext uri="{BB962C8B-B14F-4D97-AF65-F5344CB8AC3E}">
-        <p14:creationId xmlns:p14="http://schemas.microsoft.com/office/powerpoint/2010/main" val="38995365"/>
+        <p14:creationId xmlns:p14="http://schemas.microsoft.com/office/powerpoint/2010/main" val="3236927939"/>
       </p:ext>
     </p:extLst>
   </p:cSld>
@@ -349,7 +349,7 @@
           <p:cNvPr id="2" name="标题 1">
             <a:extLst>
               <a:ext uri="{FF2B5EF4-FFF2-40B4-BE49-F238E27FC236}">
-                <a16:creationId xmlns:a16="http://schemas.microsoft.com/office/drawing/2014/main" id="{C4A48BB7-2E61-CF38-995C-89E6A4E16FBB}"/>
+                <a16:creationId xmlns:a16="http://schemas.microsoft.com/office/drawing/2014/main" id="{811BE500-A102-56DF-9C9F-300E81D72F68}"/>
               </a:ext>
             </a:extLst>
           </p:cNvPr>
@@ -377,7 +377,7 @@
           <p:cNvPr id="3" name="竖排文字占位符 2">
             <a:extLst>
               <a:ext uri="{FF2B5EF4-FFF2-40B4-BE49-F238E27FC236}">
-                <a16:creationId xmlns:a16="http://schemas.microsoft.com/office/drawing/2014/main" id="{72290F5B-7BA3-931C-5AC1-4CBE07CC4131}"/>
+                <a16:creationId xmlns:a16="http://schemas.microsoft.com/office/drawing/2014/main" id="{B81C3FCE-A666-8281-2C86-91B183470D7C}"/>
               </a:ext>
             </a:extLst>
           </p:cNvPr>
@@ -434,7 +434,7 @@
           <p:cNvPr id="4" name="日期占位符 3">
             <a:extLst>
               <a:ext uri="{FF2B5EF4-FFF2-40B4-BE49-F238E27FC236}">
-                <a16:creationId xmlns:a16="http://schemas.microsoft.com/office/drawing/2014/main" id="{20DB97C4-1F22-893B-FAF6-F74DE6353E43}"/>
+                <a16:creationId xmlns:a16="http://schemas.microsoft.com/office/drawing/2014/main" id="{A325AD38-54DC-2016-40CC-8023EF56A534}"/>
               </a:ext>
             </a:extLst>
           </p:cNvPr>
@@ -450,7 +450,7 @@
           <a:bodyPr/>
           <a:lstStyle/>
           <a:p>
-            <a:fld id="{3A713AFB-2075-4B7A-A21C-40F357DBBF02}" type="datetimeFigureOut">
+            <a:fld id="{EED48EB6-ED36-4378-8086-7D64F0616410}" type="datetimeFigureOut">
               <a:rPr lang="zh-CN" altLang="en-US" smtClean="0"/>
               <a:t>2024/3/10</a:t>
             </a:fld>
@@ -463,7 +463,7 @@
           <p:cNvPr id="5" name="页脚占位符 4">
             <a:extLst>
               <a:ext uri="{FF2B5EF4-FFF2-40B4-BE49-F238E27FC236}">
-                <a16:creationId xmlns:a16="http://schemas.microsoft.com/office/drawing/2014/main" id="{9DEF6C60-F21F-2B0F-09FA-B92528E3152F}"/>
+                <a16:creationId xmlns:a16="http://schemas.microsoft.com/office/drawing/2014/main" id="{9B39435E-7E89-1EDA-9C3A-C71F86D257FF}"/>
               </a:ext>
             </a:extLst>
           </p:cNvPr>
@@ -488,7 +488,7 @@
           <p:cNvPr id="6" name="灯片编号占位符 5">
             <a:extLst>
               <a:ext uri="{FF2B5EF4-FFF2-40B4-BE49-F238E27FC236}">
-                <a16:creationId xmlns:a16="http://schemas.microsoft.com/office/drawing/2014/main" id="{B364D3A4-3F29-4E19-58C6-628BB3B16A61}"/>
+                <a16:creationId xmlns:a16="http://schemas.microsoft.com/office/drawing/2014/main" id="{66DB4EB9-F4C4-77DD-7631-7A1C3B3BA0A9}"/>
               </a:ext>
             </a:extLst>
           </p:cNvPr>
@@ -504,7 +504,7 @@
           <a:bodyPr/>
           <a:lstStyle/>
           <a:p>
-            <a:fld id="{92875155-80F0-4935-9D85-237C71E1D80D}" type="slidenum">
+            <a:fld id="{61A8A5F9-B45E-418E-BAA2-AAFB84676FC7}" type="slidenum">
               <a:rPr lang="zh-CN" altLang="en-US" smtClean="0"/>
               <a:t>‹#›</a:t>
             </a:fld>
@@ -515,7 +515,7 @@
     </p:spTree>
     <p:extLst>
       <p:ext uri="{BB962C8B-B14F-4D97-AF65-F5344CB8AC3E}">
-        <p14:creationId xmlns:p14="http://schemas.microsoft.com/office/powerpoint/2010/main" val="1912182465"/>
+        <p14:creationId xmlns:p14="http://schemas.microsoft.com/office/powerpoint/2010/main" val="1625943697"/>
       </p:ext>
     </p:extLst>
   </p:cSld>
@@ -547,7 +547,7 @@
           <p:cNvPr id="2" name="竖排标题 1">
             <a:extLst>
               <a:ext uri="{FF2B5EF4-FFF2-40B4-BE49-F238E27FC236}">
-                <a16:creationId xmlns:a16="http://schemas.microsoft.com/office/drawing/2014/main" id="{9F9F38A4-3925-A432-A6F1-2517443D8601}"/>
+                <a16:creationId xmlns:a16="http://schemas.microsoft.com/office/drawing/2014/main" id="{6D5F4561-29C4-A859-DF43-FF9D9DBCE69F}"/>
               </a:ext>
             </a:extLst>
           </p:cNvPr>
@@ -580,7 +580,7 @@
           <p:cNvPr id="3" name="竖排文字占位符 2">
             <a:extLst>
               <a:ext uri="{FF2B5EF4-FFF2-40B4-BE49-F238E27FC236}">
-                <a16:creationId xmlns:a16="http://schemas.microsoft.com/office/drawing/2014/main" id="{D8F811A2-B069-12B6-F7EF-8F3C0D9914F0}"/>
+                <a16:creationId xmlns:a16="http://schemas.microsoft.com/office/drawing/2014/main" id="{EA859483-2184-EEFE-3BF2-1B0BD4F7A088}"/>
               </a:ext>
             </a:extLst>
           </p:cNvPr>
@@ -642,7 +642,7 @@
           <p:cNvPr id="4" name="日期占位符 3">
             <a:extLst>
               <a:ext uri="{FF2B5EF4-FFF2-40B4-BE49-F238E27FC236}">
-                <a16:creationId xmlns:a16="http://schemas.microsoft.com/office/drawing/2014/main" id="{910D2AD5-460E-383E-FE2D-497C5D8595DD}"/>
+                <a16:creationId xmlns:a16="http://schemas.microsoft.com/office/drawing/2014/main" id="{6E2DA50A-0606-651A-8C0D-FB6A197074F0}"/>
               </a:ext>
             </a:extLst>
           </p:cNvPr>
@@ -658,7 +658,7 @@
           <a:bodyPr/>
           <a:lstStyle/>
           <a:p>
-            <a:fld id="{3A713AFB-2075-4B7A-A21C-40F357DBBF02}" type="datetimeFigureOut">
+            <a:fld id="{EED48EB6-ED36-4378-8086-7D64F0616410}" type="datetimeFigureOut">
               <a:rPr lang="zh-CN" altLang="en-US" smtClean="0"/>
               <a:t>2024/3/10</a:t>
             </a:fld>
@@ -671,7 +671,7 @@
           <p:cNvPr id="5" name="页脚占位符 4">
             <a:extLst>
               <a:ext uri="{FF2B5EF4-FFF2-40B4-BE49-F238E27FC236}">
-                <a16:creationId xmlns:a16="http://schemas.microsoft.com/office/drawing/2014/main" id="{5601ABA8-6EDA-8282-BA00-249E0A3BC143}"/>
+                <a16:creationId xmlns:a16="http://schemas.microsoft.com/office/drawing/2014/main" id="{9923F6A2-6C4A-8549-243B-50CD7AA9D8C3}"/>
               </a:ext>
             </a:extLst>
           </p:cNvPr>
@@ -696,7 +696,7 @@
           <p:cNvPr id="6" name="灯片编号占位符 5">
             <a:extLst>
               <a:ext uri="{FF2B5EF4-FFF2-40B4-BE49-F238E27FC236}">
-                <a16:creationId xmlns:a16="http://schemas.microsoft.com/office/drawing/2014/main" id="{DEE78596-4C4E-C966-2722-308F4E3ABD45}"/>
+                <a16:creationId xmlns:a16="http://schemas.microsoft.com/office/drawing/2014/main" id="{3665406C-1B7C-0375-EE92-D4073AD55C57}"/>
               </a:ext>
             </a:extLst>
           </p:cNvPr>
@@ -712,7 +712,7 @@
           <a:bodyPr/>
           <a:lstStyle/>
           <a:p>
-            <a:fld id="{92875155-80F0-4935-9D85-237C71E1D80D}" type="slidenum">
+            <a:fld id="{61A8A5F9-B45E-418E-BAA2-AAFB84676FC7}" type="slidenum">
               <a:rPr lang="zh-CN" altLang="en-US" smtClean="0"/>
               <a:t>‹#›</a:t>
             </a:fld>
@@ -723,7 +723,7 @@
     </p:spTree>
     <p:extLst>
       <p:ext uri="{BB962C8B-B14F-4D97-AF65-F5344CB8AC3E}">
-        <p14:creationId xmlns:p14="http://schemas.microsoft.com/office/powerpoint/2010/main" val="611701891"/>
+        <p14:creationId xmlns:p14="http://schemas.microsoft.com/office/powerpoint/2010/main" val="3881626554"/>
       </p:ext>
     </p:extLst>
   </p:cSld>
@@ -755,7 +755,7 @@
           <p:cNvPr id="2" name="标题 1">
             <a:extLst>
               <a:ext uri="{FF2B5EF4-FFF2-40B4-BE49-F238E27FC236}">
-                <a16:creationId xmlns:a16="http://schemas.microsoft.com/office/drawing/2014/main" id="{05A2EF6E-4706-2778-C699-369510D40855}"/>
+                <a16:creationId xmlns:a16="http://schemas.microsoft.com/office/drawing/2014/main" id="{9418F78D-05EB-946D-6C47-335079D6B12C}"/>
               </a:ext>
             </a:extLst>
           </p:cNvPr>
@@ -783,7 +783,7 @@
           <p:cNvPr id="3" name="内容占位符 2">
             <a:extLst>
               <a:ext uri="{FF2B5EF4-FFF2-40B4-BE49-F238E27FC236}">
-                <a16:creationId xmlns:a16="http://schemas.microsoft.com/office/drawing/2014/main" id="{81C378B0-1A22-8332-A373-258AAC0232A2}"/>
+                <a16:creationId xmlns:a16="http://schemas.microsoft.com/office/drawing/2014/main" id="{F5B5E51F-4F82-FE03-593C-0E824491A8C6}"/>
               </a:ext>
             </a:extLst>
           </p:cNvPr>
@@ -840,7 +840,7 @@
           <p:cNvPr id="4" name="日期占位符 3">
             <a:extLst>
               <a:ext uri="{FF2B5EF4-FFF2-40B4-BE49-F238E27FC236}">
-                <a16:creationId xmlns:a16="http://schemas.microsoft.com/office/drawing/2014/main" id="{18EF7928-38A7-752E-1F5C-DB9183CD7220}"/>
+                <a16:creationId xmlns:a16="http://schemas.microsoft.com/office/drawing/2014/main" id="{2BE3A072-A4D9-53F5-298B-B45BCFE0A8FD}"/>
               </a:ext>
             </a:extLst>
           </p:cNvPr>
@@ -856,7 +856,7 @@
           <a:bodyPr/>
           <a:lstStyle/>
           <a:p>
-            <a:fld id="{3A713AFB-2075-4B7A-A21C-40F357DBBF02}" type="datetimeFigureOut">
+            <a:fld id="{EED48EB6-ED36-4378-8086-7D64F0616410}" type="datetimeFigureOut">
               <a:rPr lang="zh-CN" altLang="en-US" smtClean="0"/>
               <a:t>2024/3/10</a:t>
             </a:fld>
@@ -869,7 +869,7 @@
           <p:cNvPr id="5" name="页脚占位符 4">
             <a:extLst>
               <a:ext uri="{FF2B5EF4-FFF2-40B4-BE49-F238E27FC236}">
-                <a16:creationId xmlns:a16="http://schemas.microsoft.com/office/drawing/2014/main" id="{0D9F6009-15EC-A39E-3E30-C311777EDF46}"/>
+                <a16:creationId xmlns:a16="http://schemas.microsoft.com/office/drawing/2014/main" id="{C0840BDD-57C5-B212-DEFC-480637970517}"/>
               </a:ext>
             </a:extLst>
           </p:cNvPr>
@@ -894,7 +894,7 @@
           <p:cNvPr id="6" name="灯片编号占位符 5">
             <a:extLst>
               <a:ext uri="{FF2B5EF4-FFF2-40B4-BE49-F238E27FC236}">
-                <a16:creationId xmlns:a16="http://schemas.microsoft.com/office/drawing/2014/main" id="{E0E40D72-B424-BC19-E586-E1B98099F703}"/>
+                <a16:creationId xmlns:a16="http://schemas.microsoft.com/office/drawing/2014/main" id="{BEAF2550-B1B1-D65B-A009-B25D20B15991}"/>
               </a:ext>
             </a:extLst>
           </p:cNvPr>
@@ -910,7 +910,7 @@
           <a:bodyPr/>
           <a:lstStyle/>
           <a:p>
-            <a:fld id="{92875155-80F0-4935-9D85-237C71E1D80D}" type="slidenum">
+            <a:fld id="{61A8A5F9-B45E-418E-BAA2-AAFB84676FC7}" type="slidenum">
               <a:rPr lang="zh-CN" altLang="en-US" smtClean="0"/>
               <a:t>‹#›</a:t>
             </a:fld>
@@ -921,7 +921,7 @@
     </p:spTree>
     <p:extLst>
       <p:ext uri="{BB962C8B-B14F-4D97-AF65-F5344CB8AC3E}">
-        <p14:creationId xmlns:p14="http://schemas.microsoft.com/office/powerpoint/2010/main" val="3247930253"/>
+        <p14:creationId xmlns:p14="http://schemas.microsoft.com/office/powerpoint/2010/main" val="4291010746"/>
       </p:ext>
     </p:extLst>
   </p:cSld>
@@ -953,7 +953,7 @@
           <p:cNvPr id="2" name="标题 1">
             <a:extLst>
               <a:ext uri="{FF2B5EF4-FFF2-40B4-BE49-F238E27FC236}">
-                <a16:creationId xmlns:a16="http://schemas.microsoft.com/office/drawing/2014/main" id="{17E158FF-3001-612A-7FF9-4A8A0F51CFAA}"/>
+                <a16:creationId xmlns:a16="http://schemas.microsoft.com/office/drawing/2014/main" id="{AF34733E-A3E6-1859-B308-6AFADDD53B9C}"/>
               </a:ext>
             </a:extLst>
           </p:cNvPr>
@@ -990,7 +990,7 @@
           <p:cNvPr id="3" name="文本占位符 2">
             <a:extLst>
               <a:ext uri="{FF2B5EF4-FFF2-40B4-BE49-F238E27FC236}">
-                <a16:creationId xmlns:a16="http://schemas.microsoft.com/office/drawing/2014/main" id="{0027FE31-2AF5-A05E-F8CB-24984114AF5A}"/>
+                <a16:creationId xmlns:a16="http://schemas.microsoft.com/office/drawing/2014/main" id="{3A4D8665-DE3F-664F-E15A-33643522C12F}"/>
               </a:ext>
             </a:extLst>
           </p:cNvPr>
@@ -1115,7 +1115,7 @@
           <p:cNvPr id="4" name="日期占位符 3">
             <a:extLst>
               <a:ext uri="{FF2B5EF4-FFF2-40B4-BE49-F238E27FC236}">
-                <a16:creationId xmlns:a16="http://schemas.microsoft.com/office/drawing/2014/main" id="{63302D3C-6886-1620-FA7E-F67C4B5CA76B}"/>
+                <a16:creationId xmlns:a16="http://schemas.microsoft.com/office/drawing/2014/main" id="{5141CA23-A942-FDB4-0D18-416B6ACB0697}"/>
               </a:ext>
             </a:extLst>
           </p:cNvPr>
@@ -1131,7 +1131,7 @@
           <a:bodyPr/>
           <a:lstStyle/>
           <a:p>
-            <a:fld id="{3A713AFB-2075-4B7A-A21C-40F357DBBF02}" type="datetimeFigureOut">
+            <a:fld id="{EED48EB6-ED36-4378-8086-7D64F0616410}" type="datetimeFigureOut">
               <a:rPr lang="zh-CN" altLang="en-US" smtClean="0"/>
               <a:t>2024/3/10</a:t>
             </a:fld>
@@ -1144,7 +1144,7 @@
           <p:cNvPr id="5" name="页脚占位符 4">
             <a:extLst>
               <a:ext uri="{FF2B5EF4-FFF2-40B4-BE49-F238E27FC236}">
-                <a16:creationId xmlns:a16="http://schemas.microsoft.com/office/drawing/2014/main" id="{55DA4DEF-29D1-F4DA-C467-ECF7010A1B41}"/>
+                <a16:creationId xmlns:a16="http://schemas.microsoft.com/office/drawing/2014/main" id="{31D6DADF-D928-1904-6546-FA4ED2102A78}"/>
               </a:ext>
             </a:extLst>
           </p:cNvPr>
@@ -1169,7 +1169,7 @@
           <p:cNvPr id="6" name="灯片编号占位符 5">
             <a:extLst>
               <a:ext uri="{FF2B5EF4-FFF2-40B4-BE49-F238E27FC236}">
-                <a16:creationId xmlns:a16="http://schemas.microsoft.com/office/drawing/2014/main" id="{C2118D09-17A7-CA24-5D9A-A81F818E3DA5}"/>
+                <a16:creationId xmlns:a16="http://schemas.microsoft.com/office/drawing/2014/main" id="{87A75897-D20C-D889-A9F6-9227B89DAA45}"/>
               </a:ext>
             </a:extLst>
           </p:cNvPr>
@@ -1185,7 +1185,7 @@
           <a:bodyPr/>
           <a:lstStyle/>
           <a:p>
-            <a:fld id="{92875155-80F0-4935-9D85-237C71E1D80D}" type="slidenum">
+            <a:fld id="{61A8A5F9-B45E-418E-BAA2-AAFB84676FC7}" type="slidenum">
               <a:rPr lang="zh-CN" altLang="en-US" smtClean="0"/>
               <a:t>‹#›</a:t>
             </a:fld>
@@ -1196,7 +1196,7 @@
     </p:spTree>
     <p:extLst>
       <p:ext uri="{BB962C8B-B14F-4D97-AF65-F5344CB8AC3E}">
-        <p14:creationId xmlns:p14="http://schemas.microsoft.com/office/powerpoint/2010/main" val="1571548728"/>
+        <p14:creationId xmlns:p14="http://schemas.microsoft.com/office/powerpoint/2010/main" val="3628083392"/>
       </p:ext>
     </p:extLst>
   </p:cSld>
@@ -1228,7 +1228,7 @@
           <p:cNvPr id="2" name="标题 1">
             <a:extLst>
               <a:ext uri="{FF2B5EF4-FFF2-40B4-BE49-F238E27FC236}">
-                <a16:creationId xmlns:a16="http://schemas.microsoft.com/office/drawing/2014/main" id="{9F69F1E5-A80B-2B56-FD30-3A19BE37EC4B}"/>
+                <a16:creationId xmlns:a16="http://schemas.microsoft.com/office/drawing/2014/main" id="{3103C966-4261-7490-F052-07E4114FA33E}"/>
               </a:ext>
             </a:extLst>
           </p:cNvPr>
@@ -1256,7 +1256,7 @@
           <p:cNvPr id="3" name="内容占位符 2">
             <a:extLst>
               <a:ext uri="{FF2B5EF4-FFF2-40B4-BE49-F238E27FC236}">
-                <a16:creationId xmlns:a16="http://schemas.microsoft.com/office/drawing/2014/main" id="{101DC29C-B3B3-AF85-9169-BA9EE3A2EF5B}"/>
+                <a16:creationId xmlns:a16="http://schemas.microsoft.com/office/drawing/2014/main" id="{3AF73180-C601-AD1B-724A-0F20D76D7CF5}"/>
               </a:ext>
             </a:extLst>
           </p:cNvPr>
@@ -1318,7 +1318,7 @@
           <p:cNvPr id="4" name="内容占位符 3">
             <a:extLst>
               <a:ext uri="{FF2B5EF4-FFF2-40B4-BE49-F238E27FC236}">
-                <a16:creationId xmlns:a16="http://schemas.microsoft.com/office/drawing/2014/main" id="{1836057F-6CD9-C490-9764-2BD18293D358}"/>
+                <a16:creationId xmlns:a16="http://schemas.microsoft.com/office/drawing/2014/main" id="{03EFD690-B091-84CE-3134-5688C032B5EC}"/>
               </a:ext>
             </a:extLst>
           </p:cNvPr>
@@ -1380,7 +1380,7 @@
           <p:cNvPr id="5" name="日期占位符 4">
             <a:extLst>
               <a:ext uri="{FF2B5EF4-FFF2-40B4-BE49-F238E27FC236}">
-                <a16:creationId xmlns:a16="http://schemas.microsoft.com/office/drawing/2014/main" id="{18303EF0-97BD-72B1-7102-8BE2CBD2A7C0}"/>
+                <a16:creationId xmlns:a16="http://schemas.microsoft.com/office/drawing/2014/main" id="{E93ACCDC-478C-1BF7-390C-694D6C8331AA}"/>
               </a:ext>
             </a:extLst>
           </p:cNvPr>
@@ -1396,7 +1396,7 @@
           <a:bodyPr/>
           <a:lstStyle/>
           <a:p>
-            <a:fld id="{3A713AFB-2075-4B7A-A21C-40F357DBBF02}" type="datetimeFigureOut">
+            <a:fld id="{EED48EB6-ED36-4378-8086-7D64F0616410}" type="datetimeFigureOut">
               <a:rPr lang="zh-CN" altLang="en-US" smtClean="0"/>
               <a:t>2024/3/10</a:t>
             </a:fld>
@@ -1409,7 +1409,7 @@
           <p:cNvPr id="6" name="页脚占位符 5">
             <a:extLst>
               <a:ext uri="{FF2B5EF4-FFF2-40B4-BE49-F238E27FC236}">
-                <a16:creationId xmlns:a16="http://schemas.microsoft.com/office/drawing/2014/main" id="{30721614-F567-7333-54D2-F622E0B4A966}"/>
+                <a16:creationId xmlns:a16="http://schemas.microsoft.com/office/drawing/2014/main" id="{14FDDDE6-7E6D-2B65-AAAA-C598F9C010FB}"/>
               </a:ext>
             </a:extLst>
           </p:cNvPr>
@@ -1434,7 +1434,7 @@
           <p:cNvPr id="7" name="灯片编号占位符 6">
             <a:extLst>
               <a:ext uri="{FF2B5EF4-FFF2-40B4-BE49-F238E27FC236}">
-                <a16:creationId xmlns:a16="http://schemas.microsoft.com/office/drawing/2014/main" id="{41B1E357-411F-18BA-D5DA-6C797865361D}"/>
+                <a16:creationId xmlns:a16="http://schemas.microsoft.com/office/drawing/2014/main" id="{57044E3B-7F4F-2717-A442-5EEEC0F6CB97}"/>
               </a:ext>
             </a:extLst>
           </p:cNvPr>
@@ -1450,7 +1450,7 @@
           <a:bodyPr/>
           <a:lstStyle/>
           <a:p>
-            <a:fld id="{92875155-80F0-4935-9D85-237C71E1D80D}" type="slidenum">
+            <a:fld id="{61A8A5F9-B45E-418E-BAA2-AAFB84676FC7}" type="slidenum">
               <a:rPr lang="zh-CN" altLang="en-US" smtClean="0"/>
               <a:t>‹#›</a:t>
             </a:fld>
@@ -1461,7 +1461,7 @@
     </p:spTree>
     <p:extLst>
       <p:ext uri="{BB962C8B-B14F-4D97-AF65-F5344CB8AC3E}">
-        <p14:creationId xmlns:p14="http://schemas.microsoft.com/office/powerpoint/2010/main" val="2157578861"/>
+        <p14:creationId xmlns:p14="http://schemas.microsoft.com/office/powerpoint/2010/main" val="1653023698"/>
       </p:ext>
     </p:extLst>
   </p:cSld>
@@ -1493,7 +1493,7 @@
           <p:cNvPr id="2" name="标题 1">
             <a:extLst>
               <a:ext uri="{FF2B5EF4-FFF2-40B4-BE49-F238E27FC236}">
-                <a16:creationId xmlns:a16="http://schemas.microsoft.com/office/drawing/2014/main" id="{E87AAFF8-5898-46C0-84DB-A49D74176D82}"/>
+                <a16:creationId xmlns:a16="http://schemas.microsoft.com/office/drawing/2014/main" id="{6C3817FD-A547-44A0-A9DE-754E655784FB}"/>
               </a:ext>
             </a:extLst>
           </p:cNvPr>
@@ -1526,7 +1526,7 @@
           <p:cNvPr id="3" name="文本占位符 2">
             <a:extLst>
               <a:ext uri="{FF2B5EF4-FFF2-40B4-BE49-F238E27FC236}">
-                <a16:creationId xmlns:a16="http://schemas.microsoft.com/office/drawing/2014/main" id="{2D956211-427C-29DE-EA68-5431F0D4F1A5}"/>
+                <a16:creationId xmlns:a16="http://schemas.microsoft.com/office/drawing/2014/main" id="{6BD4E084-C879-2846-77B7-75B8C9A43873}"/>
               </a:ext>
             </a:extLst>
           </p:cNvPr>
@@ -1597,7 +1597,7 @@
           <p:cNvPr id="4" name="内容占位符 3">
             <a:extLst>
               <a:ext uri="{FF2B5EF4-FFF2-40B4-BE49-F238E27FC236}">
-                <a16:creationId xmlns:a16="http://schemas.microsoft.com/office/drawing/2014/main" id="{72EBCB6E-2B67-4231-3A64-C689230BD93F}"/>
+                <a16:creationId xmlns:a16="http://schemas.microsoft.com/office/drawing/2014/main" id="{508300A3-F25D-86E0-0CB7-4505BBE2CA25}"/>
               </a:ext>
             </a:extLst>
           </p:cNvPr>
@@ -1659,7 +1659,7 @@
           <p:cNvPr id="5" name="文本占位符 4">
             <a:extLst>
               <a:ext uri="{FF2B5EF4-FFF2-40B4-BE49-F238E27FC236}">
-                <a16:creationId xmlns:a16="http://schemas.microsoft.com/office/drawing/2014/main" id="{F54891E9-E583-8848-328A-FA62728D8B79}"/>
+                <a16:creationId xmlns:a16="http://schemas.microsoft.com/office/drawing/2014/main" id="{9FE0C34C-BBE3-5B47-7CDF-75F8E4501301}"/>
               </a:ext>
             </a:extLst>
           </p:cNvPr>
@@ -1730,7 +1730,7 @@
           <p:cNvPr id="6" name="内容占位符 5">
             <a:extLst>
               <a:ext uri="{FF2B5EF4-FFF2-40B4-BE49-F238E27FC236}">
-                <a16:creationId xmlns:a16="http://schemas.microsoft.com/office/drawing/2014/main" id="{761A060C-0C7B-A305-CC3B-71F9F273F03F}"/>
+                <a16:creationId xmlns:a16="http://schemas.microsoft.com/office/drawing/2014/main" id="{6F4138D4-A54C-2319-C9DB-8C64B394D1B1}"/>
               </a:ext>
             </a:extLst>
           </p:cNvPr>
@@ -1792,7 +1792,7 @@
           <p:cNvPr id="7" name="日期占位符 6">
             <a:extLst>
               <a:ext uri="{FF2B5EF4-FFF2-40B4-BE49-F238E27FC236}">
-                <a16:creationId xmlns:a16="http://schemas.microsoft.com/office/drawing/2014/main" id="{978C5FB3-6B67-AA26-2401-DF0DD07E1874}"/>
+                <a16:creationId xmlns:a16="http://schemas.microsoft.com/office/drawing/2014/main" id="{F8E73A6C-675F-146E-5540-38E9DFF496EF}"/>
               </a:ext>
             </a:extLst>
           </p:cNvPr>
@@ -1808,7 +1808,7 @@
           <a:bodyPr/>
           <a:lstStyle/>
           <a:p>
-            <a:fld id="{3A713AFB-2075-4B7A-A21C-40F357DBBF02}" type="datetimeFigureOut">
+            <a:fld id="{EED48EB6-ED36-4378-8086-7D64F0616410}" type="datetimeFigureOut">
               <a:rPr lang="zh-CN" altLang="en-US" smtClean="0"/>
               <a:t>2024/3/10</a:t>
             </a:fld>
@@ -1821,7 +1821,7 @@
           <p:cNvPr id="8" name="页脚占位符 7">
             <a:extLst>
               <a:ext uri="{FF2B5EF4-FFF2-40B4-BE49-F238E27FC236}">
-                <a16:creationId xmlns:a16="http://schemas.microsoft.com/office/drawing/2014/main" id="{A950073E-D8B2-F4E4-CB70-153AEC02EED9}"/>
+                <a16:creationId xmlns:a16="http://schemas.microsoft.com/office/drawing/2014/main" id="{EB36C23B-7D0A-F7E1-20EC-C52700ED9A5E}"/>
               </a:ext>
             </a:extLst>
           </p:cNvPr>
@@ -1846,7 +1846,7 @@
           <p:cNvPr id="9" name="灯片编号占位符 8">
             <a:extLst>
               <a:ext uri="{FF2B5EF4-FFF2-40B4-BE49-F238E27FC236}">
-                <a16:creationId xmlns:a16="http://schemas.microsoft.com/office/drawing/2014/main" id="{1994773E-D5C2-14E3-1B27-D14522DC6235}"/>
+                <a16:creationId xmlns:a16="http://schemas.microsoft.com/office/drawing/2014/main" id="{07390D0D-5F35-C21D-B622-91D5ADA6C722}"/>
               </a:ext>
             </a:extLst>
           </p:cNvPr>
@@ -1862,7 +1862,7 @@
           <a:bodyPr/>
           <a:lstStyle/>
           <a:p>
-            <a:fld id="{92875155-80F0-4935-9D85-237C71E1D80D}" type="slidenum">
+            <a:fld id="{61A8A5F9-B45E-418E-BAA2-AAFB84676FC7}" type="slidenum">
               <a:rPr lang="zh-CN" altLang="en-US" smtClean="0"/>
               <a:t>‹#›</a:t>
             </a:fld>
@@ -1873,7 +1873,7 @@
     </p:spTree>
     <p:extLst>
       <p:ext uri="{BB962C8B-B14F-4D97-AF65-F5344CB8AC3E}">
-        <p14:creationId xmlns:p14="http://schemas.microsoft.com/office/powerpoint/2010/main" val="1334683225"/>
+        <p14:creationId xmlns:p14="http://schemas.microsoft.com/office/powerpoint/2010/main" val="4012800052"/>
       </p:ext>
     </p:extLst>
   </p:cSld>
@@ -1905,7 +1905,7 @@
           <p:cNvPr id="2" name="标题 1">
             <a:extLst>
               <a:ext uri="{FF2B5EF4-FFF2-40B4-BE49-F238E27FC236}">
-                <a16:creationId xmlns:a16="http://schemas.microsoft.com/office/drawing/2014/main" id="{33EFBD3B-953B-E174-1254-714F48BAE691}"/>
+                <a16:creationId xmlns:a16="http://schemas.microsoft.com/office/drawing/2014/main" id="{F7C55DED-6097-4F7B-CD15-509BA9EEB128}"/>
               </a:ext>
             </a:extLst>
           </p:cNvPr>
@@ -1933,7 +1933,7 @@
           <p:cNvPr id="3" name="日期占位符 2">
             <a:extLst>
               <a:ext uri="{FF2B5EF4-FFF2-40B4-BE49-F238E27FC236}">
-                <a16:creationId xmlns:a16="http://schemas.microsoft.com/office/drawing/2014/main" id="{E7477A17-8EA7-0C7E-7BFC-9A52F83D627B}"/>
+                <a16:creationId xmlns:a16="http://schemas.microsoft.com/office/drawing/2014/main" id="{2D8AB012-6275-5CB7-C707-F9048717C5B8}"/>
               </a:ext>
             </a:extLst>
           </p:cNvPr>
@@ -1949,7 +1949,7 @@
           <a:bodyPr/>
           <a:lstStyle/>
           <a:p>
-            <a:fld id="{3A713AFB-2075-4B7A-A21C-40F357DBBF02}" type="datetimeFigureOut">
+            <a:fld id="{EED48EB6-ED36-4378-8086-7D64F0616410}" type="datetimeFigureOut">
               <a:rPr lang="zh-CN" altLang="en-US" smtClean="0"/>
               <a:t>2024/3/10</a:t>
             </a:fld>
@@ -1962,7 +1962,7 @@
           <p:cNvPr id="4" name="页脚占位符 3">
             <a:extLst>
               <a:ext uri="{FF2B5EF4-FFF2-40B4-BE49-F238E27FC236}">
-                <a16:creationId xmlns:a16="http://schemas.microsoft.com/office/drawing/2014/main" id="{3E0C778A-428D-C199-F718-02C5E89544DB}"/>
+                <a16:creationId xmlns:a16="http://schemas.microsoft.com/office/drawing/2014/main" id="{EDE42F91-6D86-6F54-4021-F69081CFBF41}"/>
               </a:ext>
             </a:extLst>
           </p:cNvPr>
@@ -1987,7 +1987,7 @@
           <p:cNvPr id="5" name="灯片编号占位符 4">
             <a:extLst>
               <a:ext uri="{FF2B5EF4-FFF2-40B4-BE49-F238E27FC236}">
-                <a16:creationId xmlns:a16="http://schemas.microsoft.com/office/drawing/2014/main" id="{B4BC9215-4D9A-8BEC-F189-FB97499D84F8}"/>
+                <a16:creationId xmlns:a16="http://schemas.microsoft.com/office/drawing/2014/main" id="{5B288CC2-065E-640C-C2F8-FB17C85EA118}"/>
               </a:ext>
             </a:extLst>
           </p:cNvPr>
@@ -2003,7 +2003,7 @@
           <a:bodyPr/>
           <a:lstStyle/>
           <a:p>
-            <a:fld id="{92875155-80F0-4935-9D85-237C71E1D80D}" type="slidenum">
+            <a:fld id="{61A8A5F9-B45E-418E-BAA2-AAFB84676FC7}" type="slidenum">
               <a:rPr lang="zh-CN" altLang="en-US" smtClean="0"/>
               <a:t>‹#›</a:t>
             </a:fld>
@@ -2014,7 +2014,7 @@
     </p:spTree>
     <p:extLst>
       <p:ext uri="{BB962C8B-B14F-4D97-AF65-F5344CB8AC3E}">
-        <p14:creationId xmlns:p14="http://schemas.microsoft.com/office/powerpoint/2010/main" val="2528031560"/>
+        <p14:creationId xmlns:p14="http://schemas.microsoft.com/office/powerpoint/2010/main" val="702409977"/>
       </p:ext>
     </p:extLst>
   </p:cSld>
@@ -2046,7 +2046,7 @@
           <p:cNvPr id="2" name="日期占位符 1">
             <a:extLst>
               <a:ext uri="{FF2B5EF4-FFF2-40B4-BE49-F238E27FC236}">
-                <a16:creationId xmlns:a16="http://schemas.microsoft.com/office/drawing/2014/main" id="{965A41CF-E540-5DA5-D87C-1A3A215A4F47}"/>
+                <a16:creationId xmlns:a16="http://schemas.microsoft.com/office/drawing/2014/main" id="{E7045AFF-083C-1BF7-9AB3-39ECE1E6974D}"/>
               </a:ext>
             </a:extLst>
           </p:cNvPr>
@@ -2062,7 +2062,7 @@
           <a:bodyPr/>
           <a:lstStyle/>
           <a:p>
-            <a:fld id="{3A713AFB-2075-4B7A-A21C-40F357DBBF02}" type="datetimeFigureOut">
+            <a:fld id="{EED48EB6-ED36-4378-8086-7D64F0616410}" type="datetimeFigureOut">
               <a:rPr lang="zh-CN" altLang="en-US" smtClean="0"/>
               <a:t>2024/3/10</a:t>
             </a:fld>
@@ -2075,7 +2075,7 @@
           <p:cNvPr id="3" name="页脚占位符 2">
             <a:extLst>
               <a:ext uri="{FF2B5EF4-FFF2-40B4-BE49-F238E27FC236}">
-                <a16:creationId xmlns:a16="http://schemas.microsoft.com/office/drawing/2014/main" id="{F0B8CFD8-A7B3-E4D8-A714-5CBA336A72EF}"/>
+                <a16:creationId xmlns:a16="http://schemas.microsoft.com/office/drawing/2014/main" id="{305CFBA4-92F5-4D34-2ED9-B6FC31085A35}"/>
               </a:ext>
             </a:extLst>
           </p:cNvPr>
@@ -2100,7 +2100,7 @@
           <p:cNvPr id="4" name="灯片编号占位符 3">
             <a:extLst>
               <a:ext uri="{FF2B5EF4-FFF2-40B4-BE49-F238E27FC236}">
-                <a16:creationId xmlns:a16="http://schemas.microsoft.com/office/drawing/2014/main" id="{D8D1A9C8-DB33-39E6-30FE-E11E935F5554}"/>
+                <a16:creationId xmlns:a16="http://schemas.microsoft.com/office/drawing/2014/main" id="{A1CE57A8-4CCD-0A4E-7AEE-EE316D885202}"/>
               </a:ext>
             </a:extLst>
           </p:cNvPr>
@@ -2116,7 +2116,7 @@
           <a:bodyPr/>
           <a:lstStyle/>
           <a:p>
-            <a:fld id="{92875155-80F0-4935-9D85-237C71E1D80D}" type="slidenum">
+            <a:fld id="{61A8A5F9-B45E-418E-BAA2-AAFB84676FC7}" type="slidenum">
               <a:rPr lang="zh-CN" altLang="en-US" smtClean="0"/>
               <a:t>‹#›</a:t>
             </a:fld>
@@ -2127,7 +2127,7 @@
     </p:spTree>
     <p:extLst>
       <p:ext uri="{BB962C8B-B14F-4D97-AF65-F5344CB8AC3E}">
-        <p14:creationId xmlns:p14="http://schemas.microsoft.com/office/powerpoint/2010/main" val="1065452585"/>
+        <p14:creationId xmlns:p14="http://schemas.microsoft.com/office/powerpoint/2010/main" val="3468427621"/>
       </p:ext>
     </p:extLst>
   </p:cSld>
@@ -2159,7 +2159,7 @@
           <p:cNvPr id="2" name="标题 1">
             <a:extLst>
               <a:ext uri="{FF2B5EF4-FFF2-40B4-BE49-F238E27FC236}">
-                <a16:creationId xmlns:a16="http://schemas.microsoft.com/office/drawing/2014/main" id="{91EA2E7A-8782-88FA-33A4-525E42E89B52}"/>
+                <a16:creationId xmlns:a16="http://schemas.microsoft.com/office/drawing/2014/main" id="{6C9C62E0-07E9-FDC5-7910-A509A67FD284}"/>
               </a:ext>
             </a:extLst>
           </p:cNvPr>
@@ -2196,7 +2196,7 @@
           <p:cNvPr id="3" name="内容占位符 2">
             <a:extLst>
               <a:ext uri="{FF2B5EF4-FFF2-40B4-BE49-F238E27FC236}">
-                <a16:creationId xmlns:a16="http://schemas.microsoft.com/office/drawing/2014/main" id="{8AA5AD0F-09D6-2EDD-021C-581D2247A3A0}"/>
+                <a16:creationId xmlns:a16="http://schemas.microsoft.com/office/drawing/2014/main" id="{50F46044-9432-0FD5-5E26-CF5D903AEDB8}"/>
               </a:ext>
             </a:extLst>
           </p:cNvPr>
@@ -2286,7 +2286,7 @@
           <p:cNvPr id="4" name="文本占位符 3">
             <a:extLst>
               <a:ext uri="{FF2B5EF4-FFF2-40B4-BE49-F238E27FC236}">
-                <a16:creationId xmlns:a16="http://schemas.microsoft.com/office/drawing/2014/main" id="{C01FC30D-20CE-A770-5532-F8C6BB5D8512}"/>
+                <a16:creationId xmlns:a16="http://schemas.microsoft.com/office/drawing/2014/main" id="{85C33921-36DF-176D-1B5F-D10007DCE1D2}"/>
               </a:ext>
             </a:extLst>
           </p:cNvPr>
@@ -2357,7 +2357,7 @@
           <p:cNvPr id="5" name="日期占位符 4">
             <a:extLst>
               <a:ext uri="{FF2B5EF4-FFF2-40B4-BE49-F238E27FC236}">
-                <a16:creationId xmlns:a16="http://schemas.microsoft.com/office/drawing/2014/main" id="{1122CA9D-E693-E1F1-5334-11C12EDD9535}"/>
+                <a16:creationId xmlns:a16="http://schemas.microsoft.com/office/drawing/2014/main" id="{00ADBBD9-34A0-04DF-9CDB-91296DC52D1C}"/>
               </a:ext>
             </a:extLst>
           </p:cNvPr>
@@ -2373,7 +2373,7 @@
           <a:bodyPr/>
           <a:lstStyle/>
           <a:p>
-            <a:fld id="{3A713AFB-2075-4B7A-A21C-40F357DBBF02}" type="datetimeFigureOut">
+            <a:fld id="{EED48EB6-ED36-4378-8086-7D64F0616410}" type="datetimeFigureOut">
               <a:rPr lang="zh-CN" altLang="en-US" smtClean="0"/>
               <a:t>2024/3/10</a:t>
             </a:fld>
@@ -2386,7 +2386,7 @@
           <p:cNvPr id="6" name="页脚占位符 5">
             <a:extLst>
               <a:ext uri="{FF2B5EF4-FFF2-40B4-BE49-F238E27FC236}">
-                <a16:creationId xmlns:a16="http://schemas.microsoft.com/office/drawing/2014/main" id="{FFA5E954-CBE0-DCD4-A59C-B78E79830601}"/>
+                <a16:creationId xmlns:a16="http://schemas.microsoft.com/office/drawing/2014/main" id="{4AFE7448-0104-9253-279F-415DF6D96FD4}"/>
               </a:ext>
             </a:extLst>
           </p:cNvPr>
@@ -2411,7 +2411,7 @@
           <p:cNvPr id="7" name="灯片编号占位符 6">
             <a:extLst>
               <a:ext uri="{FF2B5EF4-FFF2-40B4-BE49-F238E27FC236}">
-                <a16:creationId xmlns:a16="http://schemas.microsoft.com/office/drawing/2014/main" id="{633C6F92-5CA1-999C-0060-BB970F6FFBF2}"/>
+                <a16:creationId xmlns:a16="http://schemas.microsoft.com/office/drawing/2014/main" id="{028586F9-CF0A-4EEA-9A6B-0FAE32F29EC9}"/>
               </a:ext>
             </a:extLst>
           </p:cNvPr>
@@ -2427,7 +2427,7 @@
           <a:bodyPr/>
           <a:lstStyle/>
           <a:p>
-            <a:fld id="{92875155-80F0-4935-9D85-237C71E1D80D}" type="slidenum">
+            <a:fld id="{61A8A5F9-B45E-418E-BAA2-AAFB84676FC7}" type="slidenum">
               <a:rPr lang="zh-CN" altLang="en-US" smtClean="0"/>
               <a:t>‹#›</a:t>
             </a:fld>
@@ -2438,7 +2438,7 @@
     </p:spTree>
     <p:extLst>
       <p:ext uri="{BB962C8B-B14F-4D97-AF65-F5344CB8AC3E}">
-        <p14:creationId xmlns:p14="http://schemas.microsoft.com/office/powerpoint/2010/main" val="2715698396"/>
+        <p14:creationId xmlns:p14="http://schemas.microsoft.com/office/powerpoint/2010/main" val="3181032663"/>
       </p:ext>
     </p:extLst>
   </p:cSld>
@@ -2470,7 +2470,7 @@
           <p:cNvPr id="2" name="标题 1">
             <a:extLst>
               <a:ext uri="{FF2B5EF4-FFF2-40B4-BE49-F238E27FC236}">
-                <a16:creationId xmlns:a16="http://schemas.microsoft.com/office/drawing/2014/main" id="{C729A9F5-7DC2-2559-17EA-A65FA38A249C}"/>
+                <a16:creationId xmlns:a16="http://schemas.microsoft.com/office/drawing/2014/main" id="{87B49151-A917-2830-90D8-965F6F1BA6E4}"/>
               </a:ext>
             </a:extLst>
           </p:cNvPr>
@@ -2507,7 +2507,7 @@
           <p:cNvPr id="3" name="图片占位符 2">
             <a:extLst>
               <a:ext uri="{FF2B5EF4-FFF2-40B4-BE49-F238E27FC236}">
-                <a16:creationId xmlns:a16="http://schemas.microsoft.com/office/drawing/2014/main" id="{D14049DF-BC82-490A-C82F-83BBEFA26140}"/>
+                <a16:creationId xmlns:a16="http://schemas.microsoft.com/office/drawing/2014/main" id="{21C98A5E-B984-47D8-1775-34EBEE4792A1}"/>
               </a:ext>
             </a:extLst>
           </p:cNvPr>
@@ -2574,7 +2574,7 @@
           <p:cNvPr id="4" name="文本占位符 3">
             <a:extLst>
               <a:ext uri="{FF2B5EF4-FFF2-40B4-BE49-F238E27FC236}">
-                <a16:creationId xmlns:a16="http://schemas.microsoft.com/office/drawing/2014/main" id="{9354E2B1-4A30-8A01-EECC-7B85544652F3}"/>
+                <a16:creationId xmlns:a16="http://schemas.microsoft.com/office/drawing/2014/main" id="{112AB25B-1E48-10DD-2644-94DB9DC03B0B}"/>
               </a:ext>
             </a:extLst>
           </p:cNvPr>
@@ -2645,7 +2645,7 @@
           <p:cNvPr id="5" name="日期占位符 4">
             <a:extLst>
               <a:ext uri="{FF2B5EF4-FFF2-40B4-BE49-F238E27FC236}">
-                <a16:creationId xmlns:a16="http://schemas.microsoft.com/office/drawing/2014/main" id="{6BE5D5C6-478D-C3E9-C124-60687F9C2A4D}"/>
+                <a16:creationId xmlns:a16="http://schemas.microsoft.com/office/drawing/2014/main" id="{F3998E62-DE16-D610-13E1-7A254E0943F5}"/>
               </a:ext>
             </a:extLst>
           </p:cNvPr>
@@ -2661,7 +2661,7 @@
           <a:bodyPr/>
           <a:lstStyle/>
           <a:p>
-            <a:fld id="{3A713AFB-2075-4B7A-A21C-40F357DBBF02}" type="datetimeFigureOut">
+            <a:fld id="{EED48EB6-ED36-4378-8086-7D64F0616410}" type="datetimeFigureOut">
               <a:rPr lang="zh-CN" altLang="en-US" smtClean="0"/>
               <a:t>2024/3/10</a:t>
             </a:fld>
@@ -2674,7 +2674,7 @@
           <p:cNvPr id="6" name="页脚占位符 5">
             <a:extLst>
               <a:ext uri="{FF2B5EF4-FFF2-40B4-BE49-F238E27FC236}">
-                <a16:creationId xmlns:a16="http://schemas.microsoft.com/office/drawing/2014/main" id="{BC575C33-38A5-06A2-16C2-2A64C9F0E6CB}"/>
+                <a16:creationId xmlns:a16="http://schemas.microsoft.com/office/drawing/2014/main" id="{54904C65-8CEF-1F16-4FFC-8BE926B887C8}"/>
               </a:ext>
             </a:extLst>
           </p:cNvPr>
@@ -2699,7 +2699,7 @@
           <p:cNvPr id="7" name="灯片编号占位符 6">
             <a:extLst>
               <a:ext uri="{FF2B5EF4-FFF2-40B4-BE49-F238E27FC236}">
-                <a16:creationId xmlns:a16="http://schemas.microsoft.com/office/drawing/2014/main" id="{6D3DB535-C62F-EA5F-07E3-E10128BE6D40}"/>
+                <a16:creationId xmlns:a16="http://schemas.microsoft.com/office/drawing/2014/main" id="{5CC5714D-61C1-49C4-D25C-119F4128212F}"/>
               </a:ext>
             </a:extLst>
           </p:cNvPr>
@@ -2715,7 +2715,7 @@
           <a:bodyPr/>
           <a:lstStyle/>
           <a:p>
-            <a:fld id="{92875155-80F0-4935-9D85-237C71E1D80D}" type="slidenum">
+            <a:fld id="{61A8A5F9-B45E-418E-BAA2-AAFB84676FC7}" type="slidenum">
               <a:rPr lang="zh-CN" altLang="en-US" smtClean="0"/>
               <a:t>‹#›</a:t>
             </a:fld>
@@ -2726,7 +2726,7 @@
     </p:spTree>
     <p:extLst>
       <p:ext uri="{BB962C8B-B14F-4D97-AF65-F5344CB8AC3E}">
-        <p14:creationId xmlns:p14="http://schemas.microsoft.com/office/powerpoint/2010/main" val="1043618631"/>
+        <p14:creationId xmlns:p14="http://schemas.microsoft.com/office/powerpoint/2010/main" val="1113019393"/>
       </p:ext>
     </p:extLst>
   </p:cSld>
@@ -2763,7 +2763,7 @@
           <p:cNvPr id="2" name="标题占位符 1">
             <a:extLst>
               <a:ext uri="{FF2B5EF4-FFF2-40B4-BE49-F238E27FC236}">
-                <a16:creationId xmlns:a16="http://schemas.microsoft.com/office/drawing/2014/main" id="{FD5D406B-0476-90E6-72FE-A80598013C28}"/>
+                <a16:creationId xmlns:a16="http://schemas.microsoft.com/office/drawing/2014/main" id="{CA48ED44-C598-0136-14F1-DBC6694F30D5}"/>
               </a:ext>
             </a:extLst>
           </p:cNvPr>
@@ -2801,7 +2801,7 @@
           <p:cNvPr id="3" name="文本占位符 2">
             <a:extLst>
               <a:ext uri="{FF2B5EF4-FFF2-40B4-BE49-F238E27FC236}">
-                <a16:creationId xmlns:a16="http://schemas.microsoft.com/office/drawing/2014/main" id="{9655EA33-8231-742D-DB8D-D7B2C9E8484F}"/>
+                <a16:creationId xmlns:a16="http://schemas.microsoft.com/office/drawing/2014/main" id="{BBC9AE44-8A49-2311-8216-8FF27C4B2579}"/>
               </a:ext>
             </a:extLst>
           </p:cNvPr>
@@ -2868,7 +2868,7 @@
           <p:cNvPr id="4" name="日期占位符 3">
             <a:extLst>
               <a:ext uri="{FF2B5EF4-FFF2-40B4-BE49-F238E27FC236}">
-                <a16:creationId xmlns:a16="http://schemas.microsoft.com/office/drawing/2014/main" id="{98EBD790-A6CF-E0B9-E78B-A38DCC6856B5}"/>
+                <a16:creationId xmlns:a16="http://schemas.microsoft.com/office/drawing/2014/main" id="{33E4F456-EA12-A6E6-07C5-B066F6610B96}"/>
               </a:ext>
             </a:extLst>
           </p:cNvPr>
@@ -2902,7 +2902,7 @@
             </a:lvl1pPr>
           </a:lstStyle>
           <a:p>
-            <a:fld id="{3A713AFB-2075-4B7A-A21C-40F357DBBF02}" type="datetimeFigureOut">
+            <a:fld id="{EED48EB6-ED36-4378-8086-7D64F0616410}" type="datetimeFigureOut">
               <a:rPr lang="zh-CN" altLang="en-US" smtClean="0"/>
               <a:t>2024/3/10</a:t>
             </a:fld>
@@ -2915,7 +2915,7 @@
           <p:cNvPr id="5" name="页脚占位符 4">
             <a:extLst>
               <a:ext uri="{FF2B5EF4-FFF2-40B4-BE49-F238E27FC236}">
-                <a16:creationId xmlns:a16="http://schemas.microsoft.com/office/drawing/2014/main" id="{D664F9F5-C4FB-31E6-FF31-235D86A89318}"/>
+                <a16:creationId xmlns:a16="http://schemas.microsoft.com/office/drawing/2014/main" id="{027C8ACF-A497-0FBB-CE11-05A8D8BC97B2}"/>
               </a:ext>
             </a:extLst>
           </p:cNvPr>
@@ -2958,7 +2958,7 @@
           <p:cNvPr id="6" name="灯片编号占位符 5">
             <a:extLst>
               <a:ext uri="{FF2B5EF4-FFF2-40B4-BE49-F238E27FC236}">
-                <a16:creationId xmlns:a16="http://schemas.microsoft.com/office/drawing/2014/main" id="{BBB9AC5E-B00B-A0C4-9FD0-7960C66C09D4}"/>
+                <a16:creationId xmlns:a16="http://schemas.microsoft.com/office/drawing/2014/main" id="{3C8573F2-89B6-AA7A-F5AF-F26344A9352E}"/>
               </a:ext>
             </a:extLst>
           </p:cNvPr>
@@ -2992,7 +2992,7 @@
             </a:lvl1pPr>
           </a:lstStyle>
           <a:p>
-            <a:fld id="{92875155-80F0-4935-9D85-237C71E1D80D}" type="slidenum">
+            <a:fld id="{61A8A5F9-B45E-418E-BAA2-AAFB84676FC7}" type="slidenum">
               <a:rPr lang="zh-CN" altLang="en-US" smtClean="0"/>
               <a:t>‹#›</a:t>
             </a:fld>
@@ -3003,7 +3003,7 @@
     </p:spTree>
     <p:extLst>
       <p:ext uri="{BB962C8B-B14F-4D97-AF65-F5344CB8AC3E}">
-        <p14:creationId xmlns:p14="http://schemas.microsoft.com/office/powerpoint/2010/main" val="408626681"/>
+        <p14:creationId xmlns:p14="http://schemas.microsoft.com/office/powerpoint/2010/main" val="3246391082"/>
       </p:ext>
     </p:extLst>
   </p:cSld>
@@ -3323,7 +3323,7 @@
       </p:grpSpPr>
       <p:pic>
         <p:nvPicPr>
-          <p:cNvPr id="407554" name="Picture 2" descr="397"/>
+          <p:cNvPr id="408578" name="Picture 2" descr="398"/>
           <p:cNvPicPr>
             <a:picLocks noChangeAspect="1" noChangeArrowheads="1"/>
           </p:cNvPicPr>
